--- a/golang基础.pptx
+++ b/golang基础.pptx
@@ -276,7 +276,7 @@
           <a:p>
             <a:fld id="{D997B5FA-0921-464F-AAE1-844C04324D75}" type="datetimeFigureOut">
               <a:rPr lang="zh-CN" altLang="en-US" smtClean="0"/>
-              <a:t>2021/7/30</a:t>
+              <a:t>2021/8/4</a:t>
             </a:fld>
             <a:endParaRPr lang="zh-CN" altLang="en-US"/>
           </a:p>
@@ -441,7 +441,7 @@
           <a:p>
             <a:fld id="{D997B5FA-0921-464F-AAE1-844C04324D75}" type="datetimeFigureOut">
               <a:rPr lang="zh-CN" altLang="en-US" smtClean="0"/>
-              <a:t>2021/7/30</a:t>
+              <a:t>2021/8/4</a:t>
             </a:fld>
             <a:endParaRPr lang="zh-CN" altLang="en-US"/>
           </a:p>
@@ -616,7 +616,7 @@
           <a:p>
             <a:fld id="{D997B5FA-0921-464F-AAE1-844C04324D75}" type="datetimeFigureOut">
               <a:rPr lang="zh-CN" altLang="en-US" smtClean="0"/>
-              <a:t>2021/7/30</a:t>
+              <a:t>2021/8/4</a:t>
             </a:fld>
             <a:endParaRPr lang="zh-CN" altLang="en-US"/>
           </a:p>
@@ -781,7 +781,7 @@
           <a:p>
             <a:fld id="{D997B5FA-0921-464F-AAE1-844C04324D75}" type="datetimeFigureOut">
               <a:rPr lang="zh-CN" altLang="en-US" smtClean="0"/>
-              <a:t>2021/7/30</a:t>
+              <a:t>2021/8/4</a:t>
             </a:fld>
             <a:endParaRPr lang="zh-CN" altLang="en-US"/>
           </a:p>
@@ -1022,7 +1022,7 @@
           <a:p>
             <a:fld id="{D997B5FA-0921-464F-AAE1-844C04324D75}" type="datetimeFigureOut">
               <a:rPr lang="zh-CN" altLang="en-US" smtClean="0"/>
-              <a:t>2021/7/30</a:t>
+              <a:t>2021/8/4</a:t>
             </a:fld>
             <a:endParaRPr lang="zh-CN" altLang="en-US"/>
           </a:p>
@@ -1249,7 +1249,7 @@
           <a:p>
             <a:fld id="{D997B5FA-0921-464F-AAE1-844C04324D75}" type="datetimeFigureOut">
               <a:rPr lang="zh-CN" altLang="en-US" smtClean="0"/>
-              <a:t>2021/7/30</a:t>
+              <a:t>2021/8/4</a:t>
             </a:fld>
             <a:endParaRPr lang="zh-CN" altLang="en-US"/>
           </a:p>
@@ -1611,7 +1611,7 @@
           <a:p>
             <a:fld id="{D997B5FA-0921-464F-AAE1-844C04324D75}" type="datetimeFigureOut">
               <a:rPr lang="zh-CN" altLang="en-US" smtClean="0"/>
-              <a:t>2021/7/30</a:t>
+              <a:t>2021/8/4</a:t>
             </a:fld>
             <a:endParaRPr lang="zh-CN" altLang="en-US"/>
           </a:p>
@@ -1724,7 +1724,7 @@
           <a:p>
             <a:fld id="{D997B5FA-0921-464F-AAE1-844C04324D75}" type="datetimeFigureOut">
               <a:rPr lang="zh-CN" altLang="en-US" smtClean="0"/>
-              <a:t>2021/7/30</a:t>
+              <a:t>2021/8/4</a:t>
             </a:fld>
             <a:endParaRPr lang="zh-CN" altLang="en-US"/>
           </a:p>
@@ -1814,7 +1814,7 @@
           <a:p>
             <a:fld id="{D997B5FA-0921-464F-AAE1-844C04324D75}" type="datetimeFigureOut">
               <a:rPr lang="zh-CN" altLang="en-US" smtClean="0"/>
-              <a:t>2021/7/30</a:t>
+              <a:t>2021/8/4</a:t>
             </a:fld>
             <a:endParaRPr lang="zh-CN" altLang="en-US"/>
           </a:p>
@@ -2086,7 +2086,7 @@
           <a:p>
             <a:fld id="{D997B5FA-0921-464F-AAE1-844C04324D75}" type="datetimeFigureOut">
               <a:rPr lang="zh-CN" altLang="en-US" smtClean="0"/>
-              <a:t>2021/7/30</a:t>
+              <a:t>2021/8/4</a:t>
             </a:fld>
             <a:endParaRPr lang="zh-CN" altLang="en-US"/>
           </a:p>
@@ -2334,7 +2334,7 @@
           <a:p>
             <a:fld id="{D997B5FA-0921-464F-AAE1-844C04324D75}" type="datetimeFigureOut">
               <a:rPr lang="zh-CN" altLang="en-US" smtClean="0"/>
-              <a:t>2021/7/30</a:t>
+              <a:t>2021/8/4</a:t>
             </a:fld>
             <a:endParaRPr lang="zh-CN" altLang="en-US"/>
           </a:p>
@@ -2542,7 +2542,7 @@
           <a:p>
             <a:fld id="{D997B5FA-0921-464F-AAE1-844C04324D75}" type="datetimeFigureOut">
               <a:rPr lang="zh-CN" altLang="en-US" smtClean="0"/>
-              <a:t>2021/7/30</a:t>
+              <a:t>2021/8/4</a:t>
             </a:fld>
             <a:endParaRPr lang="zh-CN" altLang="en-US"/>
           </a:p>
@@ -15535,6 +15535,13 @@
   <p:clrMapOvr>
     <a:masterClrMapping/>
   </p:clrMapOvr>
+  <p:timing>
+    <p:tnLst>
+      <p:par>
+        <p:cTn id="1" dur="indefinite" restart="never" nodeType="tmRoot"/>
+      </p:par>
+    </p:tnLst>
+  </p:timing>
 </p:sld>
 </file>
 
@@ -18710,6 +18717,13 @@
   <p:clrMapOvr>
     <a:masterClrMapping/>
   </p:clrMapOvr>
+  <p:timing>
+    <p:tnLst>
+      <p:par>
+        <p:cTn id="1" dur="indefinite" restart="never" nodeType="tmRoot"/>
+      </p:par>
+    </p:tnLst>
+  </p:timing>
 </p:sld>
 </file>
 
@@ -20490,6 +20504,13 @@
   <p:clrMapOvr>
     <a:masterClrMapping/>
   </p:clrMapOvr>
+  <p:timing>
+    <p:tnLst>
+      <p:par>
+        <p:cTn id="1" dur="indefinite" restart="never" nodeType="tmRoot"/>
+      </p:par>
+    </p:tnLst>
+  </p:timing>
 </p:sld>
 </file>
 
@@ -24791,6 +24812,13 @@
   <p:clrMapOvr>
     <a:masterClrMapping/>
   </p:clrMapOvr>
+  <p:timing>
+    <p:tnLst>
+      <p:par>
+        <p:cTn id="1" dur="indefinite" restart="never" nodeType="tmRoot"/>
+      </p:par>
+    </p:tnLst>
+  </p:timing>
 </p:sld>
 </file>
 
@@ -25256,6 +25284,198 @@
           </a:p>
         </p:txBody>
       </p:sp>
+      <p:sp>
+        <p:nvSpPr>
+          <p:cNvPr id="6" name="矩形 4"/>
+          <p:cNvSpPr>
+            <a:spLocks noChangeArrowheads="1"/>
+          </p:cNvSpPr>
+          <p:nvPr/>
+        </p:nvSpPr>
+        <p:spPr bwMode="auto">
+          <a:xfrm>
+            <a:off x="1243013" y="3116632"/>
+            <a:ext cx="6096000" cy="338554"/>
+          </a:xfrm>
+          <a:prstGeom prst="rect">
+            <a:avLst/>
+          </a:prstGeom>
+          <a:noFill/>
+          <a:ln>
+            <a:noFill/>
+          </a:ln>
+          <a:extLst>
+            <a:ext uri="{909E8E84-426E-40DD-AFC4-6F175D3DCCD1}">
+              <a14:hiddenFill xmlns:a14="http://schemas.microsoft.com/office/drawing/2010/main">
+                <a:solidFill>
+                  <a:srgbClr val="FFFFFF"/>
+                </a:solidFill>
+              </a14:hiddenFill>
+            </a:ext>
+            <a:ext uri="{91240B29-F687-4F45-9708-019B960494DF}">
+              <a14:hiddenLine xmlns:a14="http://schemas.microsoft.com/office/drawing/2010/main" w="9525">
+                <a:solidFill>
+                  <a:srgbClr val="000000"/>
+                </a:solidFill>
+                <a:miter lim="800000"/>
+                <a:headEnd/>
+                <a:tailEnd/>
+              </a14:hiddenLine>
+            </a:ext>
+          </a:extLst>
+        </p:spPr>
+        <p:txBody>
+          <a:bodyPr>
+            <a:spAutoFit/>
+          </a:bodyPr>
+          <a:lstStyle>
+            <a:lvl1pPr>
+              <a:spcBef>
+                <a:spcPct val="20000"/>
+              </a:spcBef>
+              <a:buChar char="•"/>
+              <a:defRPr sz="1600">
+                <a:solidFill>
+                  <a:schemeClr val="tx1"/>
+                </a:solidFill>
+                <a:latin typeface="Arial" panose="020B0604020202020204" pitchFamily="34" charset="0"/>
+                <a:ea typeface="黑体" panose="02010609060101010101" pitchFamily="49" charset="-122"/>
+              </a:defRPr>
+            </a:lvl1pPr>
+            <a:lvl2pPr marL="742950" indent="-285750">
+              <a:spcBef>
+                <a:spcPct val="20000"/>
+              </a:spcBef>
+              <a:buChar char="–"/>
+              <a:defRPr sz="1600">
+                <a:solidFill>
+                  <a:schemeClr val="tx1"/>
+                </a:solidFill>
+                <a:latin typeface="Arial" panose="020B0604020202020204" pitchFamily="34" charset="0"/>
+                <a:ea typeface="黑体" panose="02010609060101010101" pitchFamily="49" charset="-122"/>
+              </a:defRPr>
+            </a:lvl2pPr>
+            <a:lvl3pPr marL="1143000" indent="-228600">
+              <a:spcBef>
+                <a:spcPct val="20000"/>
+              </a:spcBef>
+              <a:buChar char="•"/>
+              <a:defRPr sz="1600">
+                <a:solidFill>
+                  <a:schemeClr val="tx1"/>
+                </a:solidFill>
+                <a:latin typeface="Arial" panose="020B0604020202020204" pitchFamily="34" charset="0"/>
+                <a:ea typeface="黑体" panose="02010609060101010101" pitchFamily="49" charset="-122"/>
+              </a:defRPr>
+            </a:lvl3pPr>
+            <a:lvl4pPr marL="1600200" indent="-228600">
+              <a:spcBef>
+                <a:spcPct val="20000"/>
+              </a:spcBef>
+              <a:buChar char="–"/>
+              <a:defRPr sz="1600">
+                <a:solidFill>
+                  <a:schemeClr val="tx1"/>
+                </a:solidFill>
+                <a:latin typeface="Arial" panose="020B0604020202020204" pitchFamily="34" charset="0"/>
+                <a:ea typeface="黑体" panose="02010609060101010101" pitchFamily="49" charset="-122"/>
+              </a:defRPr>
+            </a:lvl4pPr>
+            <a:lvl5pPr marL="2057400" indent="-228600">
+              <a:spcBef>
+                <a:spcPct val="20000"/>
+              </a:spcBef>
+              <a:buChar char="»"/>
+              <a:defRPr sz="1600">
+                <a:solidFill>
+                  <a:schemeClr val="tx1"/>
+                </a:solidFill>
+                <a:latin typeface="Arial" panose="020B0604020202020204" pitchFamily="34" charset="0"/>
+                <a:ea typeface="黑体" panose="02010609060101010101" pitchFamily="49" charset="-122"/>
+              </a:defRPr>
+            </a:lvl5pPr>
+            <a:lvl6pPr marL="2514600" indent="-228600" eaLnBrk="0" fontAlgn="base" hangingPunct="0">
+              <a:spcBef>
+                <a:spcPct val="20000"/>
+              </a:spcBef>
+              <a:spcAft>
+                <a:spcPct val="0"/>
+              </a:spcAft>
+              <a:buChar char="»"/>
+              <a:defRPr sz="1600">
+                <a:solidFill>
+                  <a:schemeClr val="tx1"/>
+                </a:solidFill>
+                <a:latin typeface="Arial" panose="020B0604020202020204" pitchFamily="34" charset="0"/>
+                <a:ea typeface="黑体" panose="02010609060101010101" pitchFamily="49" charset="-122"/>
+              </a:defRPr>
+            </a:lvl6pPr>
+            <a:lvl7pPr marL="2971800" indent="-228600" eaLnBrk="0" fontAlgn="base" hangingPunct="0">
+              <a:spcBef>
+                <a:spcPct val="20000"/>
+              </a:spcBef>
+              <a:spcAft>
+                <a:spcPct val="0"/>
+              </a:spcAft>
+              <a:buChar char="»"/>
+              <a:defRPr sz="1600">
+                <a:solidFill>
+                  <a:schemeClr val="tx1"/>
+                </a:solidFill>
+                <a:latin typeface="Arial" panose="020B0604020202020204" pitchFamily="34" charset="0"/>
+                <a:ea typeface="黑体" panose="02010609060101010101" pitchFamily="49" charset="-122"/>
+              </a:defRPr>
+            </a:lvl7pPr>
+            <a:lvl8pPr marL="3429000" indent="-228600" eaLnBrk="0" fontAlgn="base" hangingPunct="0">
+              <a:spcBef>
+                <a:spcPct val="20000"/>
+              </a:spcBef>
+              <a:spcAft>
+                <a:spcPct val="0"/>
+              </a:spcAft>
+              <a:buChar char="»"/>
+              <a:defRPr sz="1600">
+                <a:solidFill>
+                  <a:schemeClr val="tx1"/>
+                </a:solidFill>
+                <a:latin typeface="Arial" panose="020B0604020202020204" pitchFamily="34" charset="0"/>
+                <a:ea typeface="黑体" panose="02010609060101010101" pitchFamily="49" charset="-122"/>
+              </a:defRPr>
+            </a:lvl8pPr>
+            <a:lvl9pPr marL="3886200" indent="-228600" eaLnBrk="0" fontAlgn="base" hangingPunct="0">
+              <a:spcBef>
+                <a:spcPct val="20000"/>
+              </a:spcBef>
+              <a:spcAft>
+                <a:spcPct val="0"/>
+              </a:spcAft>
+              <a:buChar char="»"/>
+              <a:defRPr sz="1600">
+                <a:solidFill>
+                  <a:schemeClr val="tx1"/>
+                </a:solidFill>
+                <a:latin typeface="Arial" panose="020B0604020202020204" pitchFamily="34" charset="0"/>
+                <a:ea typeface="黑体" panose="02010609060101010101" pitchFamily="49" charset="-122"/>
+              </a:defRPr>
+            </a:lvl9pPr>
+          </a:lstStyle>
+          <a:p>
+            <a:pPr>
+              <a:spcBef>
+                <a:spcPct val="0"/>
+              </a:spcBef>
+              <a:buNone/>
+            </a:pPr>
+            <a:r>
+              <a:rPr lang="en-US" altLang="zh-CN" dirty="0">
+                <a:hlinkClick r:id="rId2"/>
+              </a:rPr>
+              <a:t>https://studygolang.com/articles/12907</a:t>
+            </a:r>
+            <a:endParaRPr lang="zh-CN" altLang="en-US" dirty="0"/>
+          </a:p>
+        </p:txBody>
+      </p:sp>
     </p:spTree>
     <p:extLst>
       <p:ext uri="{BB962C8B-B14F-4D97-AF65-F5344CB8AC3E}">
@@ -25266,6 +25486,13 @@
   <p:clrMapOvr>
     <a:masterClrMapping/>
   </p:clrMapOvr>
+  <p:timing>
+    <p:tnLst>
+      <p:par>
+        <p:cTn id="1" dur="indefinite" restart="never" nodeType="tmRoot"/>
+      </p:par>
+    </p:tnLst>
+  </p:timing>
 </p:sld>
 </file>
 
@@ -27195,16 +27422,16 @@
               <a:buNone/>
             </a:pPr>
             <a:r>
-              <a:rPr lang="zh-CN" altLang="en-US"/>
+              <a:rPr lang="zh-CN" altLang="en-US" dirty="0"/>
               <a:t>在浏览器输入</a:t>
             </a:r>
             <a:r>
-              <a:rPr lang="en-US" altLang="zh-CN">
+              <a:rPr lang="en-US" altLang="zh-CN" dirty="0">
                 <a:hlinkClick r:id="rId2"/>
               </a:rPr>
               <a:t>http://localhost:8080</a:t>
             </a:r>
-            <a:endParaRPr lang="en-US" altLang="zh-CN"/>
+            <a:endParaRPr lang="en-US" altLang="zh-CN" dirty="0"/>
           </a:p>
           <a:p>
             <a:pPr eaLnBrk="1" hangingPunct="1">
@@ -27215,12 +27442,20 @@
               <a:buNone/>
             </a:pPr>
             <a:r>
-              <a:rPr lang="zh-CN" altLang="en-US"/>
+              <a:rPr lang="zh-CN" altLang="en-US" dirty="0"/>
               <a:t>可以看到浏览器页面输出了</a:t>
             </a:r>
             <a:r>
-              <a:rPr lang="en-US" altLang="zh-CN"/>
-              <a:t>Hello astaxie!</a:t>
+              <a:rPr lang="en-US" altLang="zh-CN" dirty="0"/>
+              <a:t>Hello </a:t>
+            </a:r>
+            <a:r>
+              <a:rPr lang="en-US" altLang="zh-CN" dirty="0" err="1"/>
+              <a:t>astaxie</a:t>
+            </a:r>
+            <a:r>
+              <a:rPr lang="en-US" altLang="zh-CN" dirty="0"/>
+              <a:t>!</a:t>
             </a:r>
           </a:p>
           <a:p>
@@ -27231,7 +27466,7 @@
               <a:buFontTx/>
               <a:buNone/>
             </a:pPr>
-            <a:endParaRPr lang="en-US" altLang="zh-CN"/>
+            <a:endParaRPr lang="en-US" altLang="zh-CN" dirty="0"/>
           </a:p>
           <a:p>
             <a:pPr eaLnBrk="1" hangingPunct="1">
@@ -27242,16 +27477,16 @@
               <a:buNone/>
             </a:pPr>
             <a:r>
-              <a:rPr lang="zh-CN" altLang="en-US"/>
+              <a:rPr lang="zh-CN" altLang="en-US" dirty="0"/>
               <a:t>可以换一个地址试试：</a:t>
             </a:r>
             <a:r>
-              <a:rPr lang="en-US" altLang="zh-CN">
+              <a:rPr lang="en-US" altLang="zh-CN" dirty="0">
                 <a:hlinkClick r:id="rId3"/>
               </a:rPr>
               <a:t>http://localhost:8080/?url_long=111&amp;url_long=222</a:t>
             </a:r>
-            <a:endParaRPr lang="zh-CN" altLang="en-US"/>
+            <a:endParaRPr lang="zh-CN" altLang="en-US" dirty="0"/>
           </a:p>
         </p:txBody>
       </p:sp>
@@ -27552,6 +27787,13 @@
   <p:clrMapOvr>
     <a:masterClrMapping/>
   </p:clrMapOvr>
+  <p:timing>
+    <p:tnLst>
+      <p:par>
+        <p:cTn id="1" dur="indefinite" restart="never" nodeType="tmRoot"/>
+      </p:par>
+    </p:tnLst>
+  </p:timing>
 </p:sld>
 </file>
 
@@ -28096,14 +28338,7 @@
                 <a:latin typeface="微软雅黑" panose="020B0503020204020204" pitchFamily="34" charset="-122"/>
                 <a:ea typeface="微软雅黑" panose="020B0503020204020204" pitchFamily="34" charset="-122"/>
               </a:rPr>
-              <a:t>语言编写简单</a:t>
-            </a:r>
-            <a:r>
-              <a:rPr lang="zh-CN" altLang="en-US" sz="2400" kern="0" dirty="0" smtClean="0">
-                <a:latin typeface="微软雅黑" panose="020B0503020204020204" pitchFamily="34" charset="-122"/>
-                <a:ea typeface="微软雅黑" panose="020B0503020204020204" pitchFamily="34" charset="-122"/>
-              </a:rPr>
-              <a:t>的</a:t>
+              <a:t>语言编写简单的</a:t>
             </a:r>
             <a:r>
               <a:rPr lang="en-US" altLang="zh-CN" sz="2400" kern="0" dirty="0" smtClean="0">
